--- a/Seminar work/Hra Snake.pptx
+++ b/Seminar work/Hra Snake.pptx
@@ -8,11 +8,12 @@
     <p:sldId id="260" r:id="rId2"/>
     <p:sldId id="258" r:id="rId3"/>
     <p:sldId id="259" r:id="rId4"/>
-    <p:sldId id="261" r:id="rId5"/>
-    <p:sldId id="262" r:id="rId6"/>
-    <p:sldId id="263" r:id="rId7"/>
-    <p:sldId id="264" r:id="rId8"/>
-    <p:sldId id="265" r:id="rId9"/>
+    <p:sldId id="262" r:id="rId5"/>
+    <p:sldId id="263" r:id="rId6"/>
+    <p:sldId id="264" r:id="rId7"/>
+    <p:sldId id="261" r:id="rId8"/>
+    <p:sldId id="266" r:id="rId9"/>
+    <p:sldId id="265" r:id="rId10"/>
   </p:sldIdLst>
   <p:sldSz cx="12192000" cy="6858000"/>
   <p:notesSz cx="6858000" cy="9144000"/>
@@ -254,7 +255,7 @@
           <a:p>
             <a:fld id="{99107BEB-B1A9-40C2-B4E9-34E4D978F51A}" type="datetimeFigureOut">
               <a:rPr lang="en-US" smtClean="0"/>
-              <a:t>6/14/2017</a:t>
+              <a:t>6/15/2017</a:t>
             </a:fld>
             <a:endParaRPr lang="en-US"/>
           </a:p>
@@ -422,7 +423,7 @@
           <a:p>
             <a:fld id="{99107BEB-B1A9-40C2-B4E9-34E4D978F51A}" type="datetimeFigureOut">
               <a:rPr lang="en-US" smtClean="0"/>
-              <a:t>6/14/2017</a:t>
+              <a:t>6/15/2017</a:t>
             </a:fld>
             <a:endParaRPr lang="en-US"/>
           </a:p>
@@ -600,7 +601,7 @@
           <a:p>
             <a:fld id="{99107BEB-B1A9-40C2-B4E9-34E4D978F51A}" type="datetimeFigureOut">
               <a:rPr lang="en-US" smtClean="0"/>
-              <a:t>6/14/2017</a:t>
+              <a:t>6/15/2017</a:t>
             </a:fld>
             <a:endParaRPr lang="en-US"/>
           </a:p>
@@ -768,7 +769,7 @@
           <a:p>
             <a:fld id="{99107BEB-B1A9-40C2-B4E9-34E4D978F51A}" type="datetimeFigureOut">
               <a:rPr lang="en-US" smtClean="0"/>
-              <a:t>6/14/2017</a:t>
+              <a:t>6/15/2017</a:t>
             </a:fld>
             <a:endParaRPr lang="en-US"/>
           </a:p>
@@ -1013,7 +1014,7 @@
           <a:p>
             <a:fld id="{99107BEB-B1A9-40C2-B4E9-34E4D978F51A}" type="datetimeFigureOut">
               <a:rPr lang="en-US" smtClean="0"/>
-              <a:t>6/14/2017</a:t>
+              <a:t>6/15/2017</a:t>
             </a:fld>
             <a:endParaRPr lang="en-US"/>
           </a:p>
@@ -1242,7 +1243,7 @@
           <a:p>
             <a:fld id="{99107BEB-B1A9-40C2-B4E9-34E4D978F51A}" type="datetimeFigureOut">
               <a:rPr lang="en-US" smtClean="0"/>
-              <a:t>6/14/2017</a:t>
+              <a:t>6/15/2017</a:t>
             </a:fld>
             <a:endParaRPr lang="en-US"/>
           </a:p>
@@ -1606,7 +1607,7 @@
           <a:p>
             <a:fld id="{99107BEB-B1A9-40C2-B4E9-34E4D978F51A}" type="datetimeFigureOut">
               <a:rPr lang="en-US" smtClean="0"/>
-              <a:t>6/14/2017</a:t>
+              <a:t>6/15/2017</a:t>
             </a:fld>
             <a:endParaRPr lang="en-US"/>
           </a:p>
@@ -1723,7 +1724,7 @@
           <a:p>
             <a:fld id="{99107BEB-B1A9-40C2-B4E9-34E4D978F51A}" type="datetimeFigureOut">
               <a:rPr lang="en-US" smtClean="0"/>
-              <a:t>6/14/2017</a:t>
+              <a:t>6/15/2017</a:t>
             </a:fld>
             <a:endParaRPr lang="en-US"/>
           </a:p>
@@ -1818,7 +1819,7 @@
           <a:p>
             <a:fld id="{99107BEB-B1A9-40C2-B4E9-34E4D978F51A}" type="datetimeFigureOut">
               <a:rPr lang="en-US" smtClean="0"/>
-              <a:t>6/14/2017</a:t>
+              <a:t>6/15/2017</a:t>
             </a:fld>
             <a:endParaRPr lang="en-US"/>
           </a:p>
@@ -2093,7 +2094,7 @@
           <a:p>
             <a:fld id="{99107BEB-B1A9-40C2-B4E9-34E4D978F51A}" type="datetimeFigureOut">
               <a:rPr lang="en-US" smtClean="0"/>
-              <a:t>6/14/2017</a:t>
+              <a:t>6/15/2017</a:t>
             </a:fld>
             <a:endParaRPr lang="en-US"/>
           </a:p>
@@ -2345,7 +2346,7 @@
           <a:p>
             <a:fld id="{99107BEB-B1A9-40C2-B4E9-34E4D978F51A}" type="datetimeFigureOut">
               <a:rPr lang="en-US" smtClean="0"/>
-              <a:t>6/14/2017</a:t>
+              <a:t>6/15/2017</a:t>
             </a:fld>
             <a:endParaRPr lang="en-US"/>
           </a:p>
@@ -2559,7 +2560,7 @@
           <a:p>
             <a:fld id="{99107BEB-B1A9-40C2-B4E9-34E4D978F51A}" type="datetimeFigureOut">
               <a:rPr lang="en-US" smtClean="0"/>
-              <a:t>6/14/2017</a:t>
+              <a:t>6/15/2017</a:t>
             </a:fld>
             <a:endParaRPr lang="en-US"/>
           </a:p>
@@ -3080,7 +3081,9 @@
         </p:nvSpPr>
         <p:spPr/>
         <p:txBody>
-          <a:bodyPr/>
+          <a:bodyPr>
+            <a:normAutofit lnSpcReduction="10000"/>
+          </a:bodyPr>
           <a:lstStyle/>
           <a:p>
             <a:r>
@@ -3092,6 +3095,12 @@
             <a:r>
               <a:rPr lang="cs-CZ" dirty="0"/>
               <a:t>Vývoj hry</a:t>
+            </a:r>
+          </a:p>
+          <a:p>
+            <a:r>
+              <a:rPr lang="cs-CZ" dirty="0"/>
+              <a:t>Nové znalosti</a:t>
             </a:r>
           </a:p>
           <a:p>
@@ -3237,143 +3246,6 @@
 </file>
 
 <file path=ppt/slides/slide4.xml><?xml version="1.0" encoding="utf-8"?>
-<p:sld xmlns:a="http://schemas.openxmlformats.org/drawingml/2006/main" xmlns:r="http://schemas.openxmlformats.org/officeDocument/2006/relationships" xmlns:p="http://schemas.openxmlformats.org/presentationml/2006/main">
-  <p:cSld>
-    <p:spTree>
-      <p:nvGrpSpPr>
-        <p:cNvPr id="1" name=""/>
-        <p:cNvGrpSpPr/>
-        <p:nvPr/>
-      </p:nvGrpSpPr>
-      <p:grpSpPr>
-        <a:xfrm>
-          <a:off x="0" y="0"/>
-          <a:ext cx="0" cy="0"/>
-          <a:chOff x="0" y="0"/>
-          <a:chExt cx="0" cy="0"/>
-        </a:xfrm>
-      </p:grpSpPr>
-      <p:sp>
-        <p:nvSpPr>
-          <p:cNvPr id="2" name="Title 1"/>
-          <p:cNvSpPr>
-            <a:spLocks noGrp="1"/>
-          </p:cNvSpPr>
-          <p:nvPr>
-            <p:ph type="title"/>
-          </p:nvPr>
-        </p:nvSpPr>
-        <p:spPr/>
-        <p:txBody>
-          <a:bodyPr/>
-          <a:lstStyle/>
-          <a:p>
-            <a:r>
-              <a:rPr lang="cs-CZ" dirty="0"/>
-              <a:t>Vývoj hry</a:t>
-            </a:r>
-            <a:endParaRPr lang="en-US" dirty="0"/>
-          </a:p>
-        </p:txBody>
-      </p:sp>
-      <p:sp>
-        <p:nvSpPr>
-          <p:cNvPr id="3" name="Content Placeholder 2"/>
-          <p:cNvSpPr>
-            <a:spLocks noGrp="1"/>
-          </p:cNvSpPr>
-          <p:nvPr>
-            <p:ph idx="1"/>
-          </p:nvPr>
-        </p:nvSpPr>
-        <p:spPr/>
-        <p:txBody>
-          <a:bodyPr>
-            <a:normAutofit fontScale="92500" lnSpcReduction="20000"/>
-          </a:bodyPr>
-          <a:lstStyle/>
-          <a:p>
-            <a:r>
-              <a:rPr lang="cs-CZ" dirty="0"/>
-              <a:t>19. dubna 2017</a:t>
-            </a:r>
-          </a:p>
-          <a:p>
-            <a:r>
-              <a:rPr lang="cs-CZ" dirty="0"/>
-              <a:t>Cca 25 dní</a:t>
-            </a:r>
-          </a:p>
-          <a:p>
-            <a:r>
-              <a:rPr lang="cs-CZ" dirty="0"/>
-              <a:t>Hra není dokončená</a:t>
-            </a:r>
-          </a:p>
-          <a:p>
-            <a:r>
-              <a:rPr lang="cs-CZ" dirty="0"/>
-              <a:t>Spousta funkcí vypnutá</a:t>
-            </a:r>
-          </a:p>
-          <a:p>
-            <a:r>
-              <a:rPr lang="cs-CZ" dirty="0"/>
-              <a:t>Kód postaven s ohledem na budoucí funkce</a:t>
-            </a:r>
-          </a:p>
-          <a:p>
-            <a:pPr lvl="1"/>
-            <a:r>
-              <a:rPr lang="cs-CZ" dirty="0"/>
-              <a:t>Nastavení</a:t>
-            </a:r>
-          </a:p>
-          <a:p>
-            <a:pPr lvl="1"/>
-            <a:r>
-              <a:rPr lang="cs-CZ" dirty="0"/>
-              <a:t>Uživatelské profily a přizpůsobení hadů</a:t>
-            </a:r>
-          </a:p>
-          <a:p>
-            <a:pPr lvl="1"/>
-            <a:r>
-              <a:rPr lang="cs-CZ" dirty="0"/>
-              <a:t>Hra až čtyř hráčů zároveň</a:t>
-            </a:r>
-          </a:p>
-          <a:p>
-            <a:pPr lvl="1"/>
-            <a:r>
-              <a:rPr lang="cs-CZ" dirty="0"/>
-              <a:t>Cheaty</a:t>
-            </a:r>
-          </a:p>
-          <a:p>
-            <a:pPr lvl="1"/>
-            <a:r>
-              <a:rPr lang="cs-CZ" dirty="0"/>
-              <a:t>Informace o hře aktualizované v reálném čase</a:t>
-            </a:r>
-            <a:endParaRPr lang="en-US" dirty="0"/>
-          </a:p>
-        </p:txBody>
-      </p:sp>
-    </p:spTree>
-    <p:extLst>
-      <p:ext uri="{BB962C8B-B14F-4D97-AF65-F5344CB8AC3E}">
-        <p14:creationId xmlns:p14="http://schemas.microsoft.com/office/powerpoint/2010/main" val="2926893655"/>
-      </p:ext>
-    </p:extLst>
-  </p:cSld>
-  <p:clrMapOvr>
-    <a:masterClrMapping/>
-  </p:clrMapOvr>
-</p:sld>
-</file>
-
-<file path=ppt/slides/slide5.xml><?xml version="1.0" encoding="utf-8"?>
 <p:sld xmlns:a="http://schemas.openxmlformats.org/drawingml/2006/main" xmlns:r="http://schemas.openxmlformats.org/officeDocument/2006/relationships" xmlns:p="http://schemas.openxmlformats.org/presentationml/2006/main">
   <p:cSld>
     <p:spTree>
@@ -3433,7 +3305,7 @@
 </p:sld>
 </file>
 
-<file path=ppt/slides/slide6.xml><?xml version="1.0" encoding="utf-8"?>
+<file path=ppt/slides/slide5.xml><?xml version="1.0" encoding="utf-8"?>
 <p:sld xmlns:a="http://schemas.openxmlformats.org/drawingml/2006/main" xmlns:r="http://schemas.openxmlformats.org/officeDocument/2006/relationships" xmlns:p="http://schemas.openxmlformats.org/presentationml/2006/main">
   <p:cSld>
     <p:spTree>
@@ -3493,7 +3365,7 @@
 </p:sld>
 </file>
 
-<file path=ppt/slides/slide7.xml><?xml version="1.0" encoding="utf-8"?>
+<file path=ppt/slides/slide6.xml><?xml version="1.0" encoding="utf-8"?>
 <p:sld xmlns:a="http://schemas.openxmlformats.org/drawingml/2006/main" xmlns:r="http://schemas.openxmlformats.org/officeDocument/2006/relationships" xmlns:p="http://schemas.openxmlformats.org/presentationml/2006/main">
   <p:cSld>
     <p:spTree>
@@ -3553,7 +3425,232 @@
 </p:sld>
 </file>
 
+<file path=ppt/slides/slide7.xml><?xml version="1.0" encoding="utf-8"?>
+<p:sld xmlns:a="http://schemas.openxmlformats.org/drawingml/2006/main" xmlns:r="http://schemas.openxmlformats.org/officeDocument/2006/relationships" xmlns:p="http://schemas.openxmlformats.org/presentationml/2006/main">
+  <p:cSld>
+    <p:spTree>
+      <p:nvGrpSpPr>
+        <p:cNvPr id="1" name=""/>
+        <p:cNvGrpSpPr/>
+        <p:nvPr/>
+      </p:nvGrpSpPr>
+      <p:grpSpPr>
+        <a:xfrm>
+          <a:off x="0" y="0"/>
+          <a:ext cx="0" cy="0"/>
+          <a:chOff x="0" y="0"/>
+          <a:chExt cx="0" cy="0"/>
+        </a:xfrm>
+      </p:grpSpPr>
+      <p:sp>
+        <p:nvSpPr>
+          <p:cNvPr id="2" name="Title 1"/>
+          <p:cNvSpPr>
+            <a:spLocks noGrp="1"/>
+          </p:cNvSpPr>
+          <p:nvPr>
+            <p:ph type="title"/>
+          </p:nvPr>
+        </p:nvSpPr>
+        <p:spPr/>
+        <p:txBody>
+          <a:bodyPr/>
+          <a:lstStyle/>
+          <a:p>
+            <a:r>
+              <a:rPr lang="cs-CZ" dirty="0"/>
+              <a:t>Vývoj hry</a:t>
+            </a:r>
+            <a:endParaRPr lang="en-US" dirty="0"/>
+          </a:p>
+        </p:txBody>
+      </p:sp>
+      <p:sp>
+        <p:nvSpPr>
+          <p:cNvPr id="3" name="Content Placeholder 2"/>
+          <p:cNvSpPr>
+            <a:spLocks noGrp="1"/>
+          </p:cNvSpPr>
+          <p:nvPr>
+            <p:ph idx="1"/>
+          </p:nvPr>
+        </p:nvSpPr>
+        <p:spPr/>
+        <p:txBody>
+          <a:bodyPr>
+            <a:normAutofit fontScale="92500" lnSpcReduction="20000"/>
+          </a:bodyPr>
+          <a:lstStyle/>
+          <a:p>
+            <a:r>
+              <a:rPr lang="cs-CZ" dirty="0"/>
+              <a:t>19. dubna 2017</a:t>
+            </a:r>
+          </a:p>
+          <a:p>
+            <a:r>
+              <a:rPr lang="cs-CZ" dirty="0"/>
+              <a:t>Cca 25 dní</a:t>
+            </a:r>
+          </a:p>
+          <a:p>
+            <a:r>
+              <a:rPr lang="cs-CZ" dirty="0"/>
+              <a:t>Hra není dokončená</a:t>
+            </a:r>
+          </a:p>
+          <a:p>
+            <a:r>
+              <a:rPr lang="cs-CZ" dirty="0"/>
+              <a:t>Spousta funkcí vypnutá</a:t>
+            </a:r>
+          </a:p>
+          <a:p>
+            <a:r>
+              <a:rPr lang="cs-CZ" dirty="0"/>
+              <a:t>Kód postaven s ohledem na budoucí funkce</a:t>
+            </a:r>
+          </a:p>
+          <a:p>
+            <a:pPr lvl="1"/>
+            <a:r>
+              <a:rPr lang="cs-CZ" dirty="0"/>
+              <a:t>Nastavení</a:t>
+            </a:r>
+          </a:p>
+          <a:p>
+            <a:pPr lvl="1"/>
+            <a:r>
+              <a:rPr lang="cs-CZ" dirty="0"/>
+              <a:t>Uživatelské profily a přizpůsobení hadů</a:t>
+            </a:r>
+          </a:p>
+          <a:p>
+            <a:pPr lvl="1"/>
+            <a:r>
+              <a:rPr lang="cs-CZ" dirty="0"/>
+              <a:t>Hra až čtyř hráčů zároveň</a:t>
+            </a:r>
+          </a:p>
+          <a:p>
+            <a:pPr lvl="1"/>
+            <a:r>
+              <a:rPr lang="cs-CZ" dirty="0"/>
+              <a:t>Cheaty</a:t>
+            </a:r>
+          </a:p>
+          <a:p>
+            <a:pPr lvl="1"/>
+            <a:r>
+              <a:rPr lang="cs-CZ" dirty="0"/>
+              <a:t>Informace o hře aktualizované v reálném čase</a:t>
+            </a:r>
+            <a:endParaRPr lang="en-US" dirty="0"/>
+          </a:p>
+        </p:txBody>
+      </p:sp>
+    </p:spTree>
+    <p:extLst>
+      <p:ext uri="{BB962C8B-B14F-4D97-AF65-F5344CB8AC3E}">
+        <p14:creationId xmlns:p14="http://schemas.microsoft.com/office/powerpoint/2010/main" val="2926893655"/>
+      </p:ext>
+    </p:extLst>
+  </p:cSld>
+  <p:clrMapOvr>
+    <a:masterClrMapping/>
+  </p:clrMapOvr>
+</p:sld>
+</file>
+
 <file path=ppt/slides/slide8.xml><?xml version="1.0" encoding="utf-8"?>
+<p:sld xmlns:a="http://schemas.openxmlformats.org/drawingml/2006/main" xmlns:r="http://schemas.openxmlformats.org/officeDocument/2006/relationships" xmlns:p="http://schemas.openxmlformats.org/presentationml/2006/main">
+  <p:cSld>
+    <p:spTree>
+      <p:nvGrpSpPr>
+        <p:cNvPr id="1" name=""/>
+        <p:cNvGrpSpPr/>
+        <p:nvPr/>
+      </p:nvGrpSpPr>
+      <p:grpSpPr>
+        <a:xfrm>
+          <a:off x="0" y="0"/>
+          <a:ext cx="0" cy="0"/>
+          <a:chOff x="0" y="0"/>
+          <a:chExt cx="0" cy="0"/>
+        </a:xfrm>
+      </p:grpSpPr>
+      <p:sp>
+        <p:nvSpPr>
+          <p:cNvPr id="2" name="Title 1"/>
+          <p:cNvSpPr>
+            <a:spLocks noGrp="1"/>
+          </p:cNvSpPr>
+          <p:nvPr>
+            <p:ph type="title"/>
+          </p:nvPr>
+        </p:nvSpPr>
+        <p:spPr/>
+        <p:txBody>
+          <a:bodyPr/>
+          <a:lstStyle/>
+          <a:p>
+            <a:r>
+              <a:rPr lang="cs-CZ" dirty="0"/>
+              <a:t>Nové znalosti</a:t>
+            </a:r>
+            <a:endParaRPr lang="en-US" dirty="0"/>
+          </a:p>
+        </p:txBody>
+      </p:sp>
+      <p:sp>
+        <p:nvSpPr>
+          <p:cNvPr id="3" name="Content Placeholder 2"/>
+          <p:cNvSpPr>
+            <a:spLocks noGrp="1"/>
+          </p:cNvSpPr>
+          <p:nvPr>
+            <p:ph idx="1"/>
+          </p:nvPr>
+        </p:nvSpPr>
+        <p:spPr/>
+        <p:txBody>
+          <a:bodyPr/>
+          <a:lstStyle/>
+          <a:p>
+            <a:r>
+              <a:rPr lang="cs-CZ" dirty="0" err="1"/>
+              <a:t>DLLImportAttribute</a:t>
+            </a:r>
+            <a:endParaRPr lang="cs-CZ" dirty="0"/>
+          </a:p>
+          <a:p>
+            <a:r>
+              <a:rPr lang="cs-CZ" dirty="0"/>
+              <a:t>Vykreslovací jádro</a:t>
+            </a:r>
+          </a:p>
+          <a:p>
+            <a:r>
+              <a:rPr lang="cs-CZ" dirty="0"/>
+              <a:t>Prohloubení znalostí Windows konzole</a:t>
+            </a:r>
+          </a:p>
+        </p:txBody>
+      </p:sp>
+    </p:spTree>
+    <p:extLst>
+      <p:ext uri="{BB962C8B-B14F-4D97-AF65-F5344CB8AC3E}">
+        <p14:creationId xmlns:p14="http://schemas.microsoft.com/office/powerpoint/2010/main" val="2552069798"/>
+      </p:ext>
+    </p:extLst>
+  </p:cSld>
+  <p:clrMapOvr>
+    <a:masterClrMapping/>
+  </p:clrMapOvr>
+</p:sld>
+</file>
+
+<file path=ppt/slides/slide9.xml><?xml version="1.0" encoding="utf-8"?>
 <p:sld xmlns:a="http://schemas.openxmlformats.org/drawingml/2006/main" xmlns:r="http://schemas.openxmlformats.org/officeDocument/2006/relationships" xmlns:p="http://schemas.openxmlformats.org/presentationml/2006/main">
   <p:cSld>
     <p:spTree>
